--- a/Presentations/UXDesign/UXDesign-Interim.pptx
+++ b/Presentations/UXDesign/UXDesign-Interim.pptx
@@ -145,9 +145,6 @@
         </p14:section>
       </p14:sectionLst>
     </p:ext>
-    <p:ext uri="{EFAFB233-063F-42B5-8137-9DF3F51BA10A}">
-      <p15:sldGuideLst xmlns:p15="http://schemas.microsoft.com/office/powerpoint/2012/main"/>
-    </p:ext>
   </p:extLst>
 </p:presentation>
 </file>
@@ -156,6 +153,7 @@
 <p1510:revInfo xmlns:a="http://schemas.openxmlformats.org/drawingml/2006/main" xmlns:r="http://schemas.openxmlformats.org/officeDocument/2006/relationships" xmlns:p1510="http://schemas.microsoft.com/office/powerpoint/2015/10/main">
   <p1510:revLst>
     <p1510:client id="{03B7B932-508D-4337-B88D-B394A8459CE2}" v="2358" dt="2026-01-04T14:36:40.595"/>
+    <p1510:client id="{0AFF935F-3979-47D0-94EB-B3F73223F238}" v="5" dt="2026-01-05T14:35:29.850"/>
   </p1510:revLst>
 </p1510:revInfo>
 </file>
@@ -242,7 +240,7 @@
           <a:p>
             <a:fld id="{7C2A1F18-95E3-4422-9FEC-9CFE55A7F8B6}" type="datetimeFigureOut">
               <a:rPr lang="de-DE" smtClean="0"/>
-              <a:t>04.01.2026</a:t>
+              <a:t>06.01.2026</a:t>
             </a:fld>
             <a:endParaRPr lang="de-DE"/>
           </a:p>
@@ -742,7 +740,7 @@
           <a:p>
             <a:fld id="{D8F28380-C195-4E7A-818F-89F88AEECA94}" type="datetime1">
               <a:rPr lang="LID4096" smtClean="0"/>
-              <a:t>01/04/2026</a:t>
+              <a:t>01/06/2026</a:t>
             </a:fld>
             <a:endParaRPr lang="en-DE"/>
           </a:p>
@@ -942,7 +940,7 @@
           <a:p>
             <a:fld id="{59235B73-FCD6-4B67-AF1D-5F17F60EAFE9}" type="datetime1">
               <a:rPr lang="LID4096" smtClean="0"/>
-              <a:t>01/04/2026</a:t>
+              <a:t>01/06/2026</a:t>
             </a:fld>
             <a:endParaRPr lang="en-DE"/>
           </a:p>
@@ -1152,7 +1150,7 @@
           <a:p>
             <a:fld id="{3CE44C79-0E52-4858-8DE8-B244B246CE73}" type="datetime1">
               <a:rPr lang="LID4096" smtClean="0"/>
-              <a:t>01/04/2026</a:t>
+              <a:t>01/06/2026</a:t>
             </a:fld>
             <a:endParaRPr lang="en-DE"/>
           </a:p>
@@ -1352,7 +1350,7 @@
           <a:p>
             <a:fld id="{CAF5C1CB-2A36-4C9B-AEC7-7F2925255C2E}" type="datetime1">
               <a:rPr lang="LID4096" smtClean="0"/>
-              <a:t>01/04/2026</a:t>
+              <a:t>01/06/2026</a:t>
             </a:fld>
             <a:endParaRPr lang="en-DE"/>
           </a:p>
@@ -1628,7 +1626,7 @@
           <a:p>
             <a:fld id="{08163273-A8D3-4100-BBB8-FB0F522C98E9}" type="datetime1">
               <a:rPr lang="LID4096" smtClean="0"/>
-              <a:t>01/04/2026</a:t>
+              <a:t>01/06/2026</a:t>
             </a:fld>
             <a:endParaRPr lang="en-DE"/>
           </a:p>
@@ -1896,7 +1894,7 @@
           <a:p>
             <a:fld id="{F48DBF4D-D46D-4C27-A409-F00A0E21B9F7}" type="datetime1">
               <a:rPr lang="LID4096" smtClean="0"/>
-              <a:t>01/04/2026</a:t>
+              <a:t>01/06/2026</a:t>
             </a:fld>
             <a:endParaRPr lang="en-DE"/>
           </a:p>
@@ -2311,7 +2309,7 @@
           <a:p>
             <a:fld id="{85CD8D1C-625B-41DF-B317-C56196925884}" type="datetime1">
               <a:rPr lang="LID4096" smtClean="0"/>
-              <a:t>01/04/2026</a:t>
+              <a:t>01/06/2026</a:t>
             </a:fld>
             <a:endParaRPr lang="en-DE"/>
           </a:p>
@@ -2453,7 +2451,7 @@
           <a:p>
             <a:fld id="{8EE0ED82-09C9-480B-BAE6-423F94FC5724}" type="datetime1">
               <a:rPr lang="LID4096" smtClean="0"/>
-              <a:t>01/04/2026</a:t>
+              <a:t>01/06/2026</a:t>
             </a:fld>
             <a:endParaRPr lang="en-DE"/>
           </a:p>
@@ -2566,7 +2564,7 @@
           <a:p>
             <a:fld id="{1E90D6E1-F084-4902-9755-636861229408}" type="datetime1">
               <a:rPr lang="LID4096" smtClean="0"/>
-              <a:t>01/04/2026</a:t>
+              <a:t>01/06/2026</a:t>
             </a:fld>
             <a:endParaRPr lang="en-DE"/>
           </a:p>
@@ -2879,7 +2877,7 @@
           <a:p>
             <a:fld id="{A406F898-AC4A-4CFC-85DA-B93E290B5D28}" type="datetime1">
               <a:rPr lang="LID4096" smtClean="0"/>
-              <a:t>01/04/2026</a:t>
+              <a:t>01/06/2026</a:t>
             </a:fld>
             <a:endParaRPr lang="en-DE"/>
           </a:p>
@@ -3168,7 +3166,7 @@
           <a:p>
             <a:fld id="{61FCBF3C-7F71-4F06-9044-A20A91A6B3DA}" type="datetime1">
               <a:rPr lang="LID4096" smtClean="0"/>
-              <a:t>01/04/2026</a:t>
+              <a:t>01/06/2026</a:t>
             </a:fld>
             <a:endParaRPr lang="en-DE"/>
           </a:p>
@@ -3411,7 +3409,7 @@
           <a:p>
             <a:fld id="{D98C72F5-9062-4328-8F2D-73894A6939F9}" type="datetime1">
               <a:rPr lang="LID4096" smtClean="0"/>
-              <a:t>01/04/2026</a:t>
+              <a:t>01/06/2026</a:t>
             </a:fld>
             <a:endParaRPr lang="en-DE"/>
           </a:p>
@@ -4645,7 +4643,7 @@
           <a:lstStyle/>
           <a:p>
             <a:r>
-              <a:rPr lang="de-DE" dirty="0" err="1">
+              <a:rPr lang="de-DE" err="1">
                 <a:solidFill>
                   <a:srgbClr val="14365E"/>
                 </a:solidFill>
@@ -4657,7 +4655,7 @@
               <a:t> </a:t>
             </a:r>
             <a:r>
-              <a:rPr lang="de-DE" dirty="0" err="1">
+              <a:rPr lang="de-DE" err="1">
                 <a:solidFill>
                   <a:srgbClr val="0080C6"/>
                 </a:solidFill>
@@ -5741,7 +5739,7 @@
               <a:defRPr/>
             </a:pPr>
             <a:r>
-              <a:rPr kumimoji="0" lang="en-US" sz="4000" b="0" i="0" u="none" strike="noStrike" kern="1200" cap="none" spc="100" normalizeH="0" baseline="0" noProof="0" dirty="0">
+              <a:rPr kumimoji="0" lang="en-US" sz="4000" b="0" i="0" u="none" strike="noStrike" kern="1200" cap="none" spc="100" normalizeH="0" baseline="0" noProof="0">
                 <a:ln>
                   <a:noFill/>
                 </a:ln>
@@ -5760,7 +5758,7 @@
               <a:t>Table Of </a:t>
             </a:r>
             <a:r>
-              <a:rPr kumimoji="0" lang="en-US" sz="4000" b="0" i="0" u="none" strike="noStrike" kern="1200" cap="none" spc="100" normalizeH="0" baseline="0" noProof="0" dirty="0">
+              <a:rPr kumimoji="0" lang="en-US" sz="4000" b="0" i="0" u="none" strike="noStrike" kern="1200" cap="none" spc="100" normalizeH="0" baseline="0" noProof="0">
                 <a:ln>
                   <a:noFill/>
                 </a:ln>
@@ -5779,7 +5777,7 @@
               <a:t>Contents</a:t>
             </a:r>
             <a:r>
-              <a:rPr kumimoji="0" lang="en-US" sz="4000" b="0" i="0" u="none" strike="noStrike" kern="1200" cap="none" spc="100" normalizeH="0" baseline="0" noProof="0" dirty="0">
+              <a:rPr kumimoji="0" lang="en-US" sz="4000" b="0" i="0" u="none" strike="noStrike" kern="1200" cap="none" spc="100" normalizeH="0" baseline="0" noProof="0">
                 <a:ln>
                   <a:noFill/>
                 </a:ln>
@@ -5924,7 +5922,7 @@
         <p:spPr>
           <a:xfrm>
             <a:off x="5694140" y="2302849"/>
-            <a:ext cx="2090637" cy="323165"/>
+            <a:ext cx="2220480" cy="323165"/>
           </a:xfrm>
           <a:prstGeom prst="rect">
             <a:avLst/>
@@ -5947,29 +5945,8 @@
                 <a:sym typeface="Poppins"/>
                 <a:rtl val="0"/>
               </a:rPr>
-              <a:t>UX Design </a:t>
-            </a:r>
-            <a:r>
-              <a:rPr lang="en-US" sz="1500" err="1">
-                <a:solidFill>
-                  <a:srgbClr val="404040"/>
-                </a:solidFill>
-                <a:latin typeface="Montserrat"/>
-                <a:cs typeface="Poppins"/>
-                <a:sym typeface="Poppins"/>
-                <a:rtl val="0"/>
-              </a:rPr>
-              <a:t>Callenge</a:t>
-            </a:r>
-            <a:endParaRPr lang="en-US" sz="1500">
-              <a:solidFill>
-                <a:srgbClr val="404040"/>
-              </a:solidFill>
-              <a:latin typeface="Montserrat"/>
-              <a:cs typeface="Poppins"/>
-              <a:sym typeface="Poppins"/>
-              <a:rtl val="0"/>
-            </a:endParaRPr>
+              <a:t>UX Design Challenge</a:t>
+            </a:r>
           </a:p>
         </p:txBody>
       </p:sp>
@@ -8613,17 +8590,12 @@
             </a:r>
             <a:r>
               <a:rPr lang="de-DE" err="1"/>
-              <a:t>Physicians</a:t>
-            </a:r>
-            <a:r>
-              <a:rPr lang="de-DE"/>
-              <a:t> and </a:t>
-            </a:r>
-            <a:r>
-              <a:rPr lang="de-DE" err="1"/>
-              <a:t>Patients</a:t>
-            </a:r>
-            <a:endParaRPr lang="de-DE"/>
+              <a:t>physicians</a:t>
+            </a:r>
+            <a:r>
+              <a:rPr lang="de-DE"/>
+              <a:t> and patients</a:t>
+            </a:r>
           </a:p>
           <a:p>
             <a:r>
